--- a/20 - Modelo Conceitual de Negócio.pptx
+++ b/20 - Modelo Conceitual de Negócio.pptx
@@ -104,6 +104,11 @@
       </a:defRPr>
     </a:lvl9pPr>
   </p:defaultTextStyle>
+  <p:extLst>
+    <p:ext uri="{EFAFB233-063F-42B5-8137-9DF3F51BA10A}">
+      <p15:sldGuideLst xmlns:p15="http://schemas.microsoft.com/office/powerpoint/2012/main"/>
+    </p:ext>
+  </p:extLst>
 </p:presentation>
 </file>
 
@@ -238,7 +243,7 @@
           <a:p>
             <a:fld id="{AE42DDA1-1F30-4B1A-9665-EB9971BBD700}" type="datetimeFigureOut">
               <a:rPr lang="pt-BR" smtClean="0"/>
-              <a:t>18/09/2020</a:t>
+              <a:t>09/10/2020</a:t>
             </a:fld>
             <a:endParaRPr lang="pt-BR"/>
           </a:p>
@@ -408,7 +413,7 @@
           <a:p>
             <a:fld id="{AE42DDA1-1F30-4B1A-9665-EB9971BBD700}" type="datetimeFigureOut">
               <a:rPr lang="pt-BR" smtClean="0"/>
-              <a:t>18/09/2020</a:t>
+              <a:t>09/10/2020</a:t>
             </a:fld>
             <a:endParaRPr lang="pt-BR"/>
           </a:p>
@@ -588,7 +593,7 @@
           <a:p>
             <a:fld id="{AE42DDA1-1F30-4B1A-9665-EB9971BBD700}" type="datetimeFigureOut">
               <a:rPr lang="pt-BR" smtClean="0"/>
-              <a:t>18/09/2020</a:t>
+              <a:t>09/10/2020</a:t>
             </a:fld>
             <a:endParaRPr lang="pt-BR"/>
           </a:p>
@@ -758,7 +763,7 @@
           <a:p>
             <a:fld id="{AE42DDA1-1F30-4B1A-9665-EB9971BBD700}" type="datetimeFigureOut">
               <a:rPr lang="pt-BR" smtClean="0"/>
-              <a:t>18/09/2020</a:t>
+              <a:t>09/10/2020</a:t>
             </a:fld>
             <a:endParaRPr lang="pt-BR"/>
           </a:p>
@@ -1004,7 +1009,7 @@
           <a:p>
             <a:fld id="{AE42DDA1-1F30-4B1A-9665-EB9971BBD700}" type="datetimeFigureOut">
               <a:rPr lang="pt-BR" smtClean="0"/>
-              <a:t>18/09/2020</a:t>
+              <a:t>09/10/2020</a:t>
             </a:fld>
             <a:endParaRPr lang="pt-BR"/>
           </a:p>
@@ -1236,7 +1241,7 @@
           <a:p>
             <a:fld id="{AE42DDA1-1F30-4B1A-9665-EB9971BBD700}" type="datetimeFigureOut">
               <a:rPr lang="pt-BR" smtClean="0"/>
-              <a:t>18/09/2020</a:t>
+              <a:t>09/10/2020</a:t>
             </a:fld>
             <a:endParaRPr lang="pt-BR"/>
           </a:p>
@@ -1603,7 +1608,7 @@
           <a:p>
             <a:fld id="{AE42DDA1-1F30-4B1A-9665-EB9971BBD700}" type="datetimeFigureOut">
               <a:rPr lang="pt-BR" smtClean="0"/>
-              <a:t>18/09/2020</a:t>
+              <a:t>09/10/2020</a:t>
             </a:fld>
             <a:endParaRPr lang="pt-BR"/>
           </a:p>
@@ -1721,7 +1726,7 @@
           <a:p>
             <a:fld id="{AE42DDA1-1F30-4B1A-9665-EB9971BBD700}" type="datetimeFigureOut">
               <a:rPr lang="pt-BR" smtClean="0"/>
-              <a:t>18/09/2020</a:t>
+              <a:t>09/10/2020</a:t>
             </a:fld>
             <a:endParaRPr lang="pt-BR"/>
           </a:p>
@@ -1816,7 +1821,7 @@
           <a:p>
             <a:fld id="{AE42DDA1-1F30-4B1A-9665-EB9971BBD700}" type="datetimeFigureOut">
               <a:rPr lang="pt-BR" smtClean="0"/>
-              <a:t>18/09/2020</a:t>
+              <a:t>09/10/2020</a:t>
             </a:fld>
             <a:endParaRPr lang="pt-BR"/>
           </a:p>
@@ -2093,7 +2098,7 @@
           <a:p>
             <a:fld id="{AE42DDA1-1F30-4B1A-9665-EB9971BBD700}" type="datetimeFigureOut">
               <a:rPr lang="pt-BR" smtClean="0"/>
-              <a:t>18/09/2020</a:t>
+              <a:t>09/10/2020</a:t>
             </a:fld>
             <a:endParaRPr lang="pt-BR"/>
           </a:p>
@@ -2346,7 +2351,7 @@
           <a:p>
             <a:fld id="{AE42DDA1-1F30-4B1A-9665-EB9971BBD700}" type="datetimeFigureOut">
               <a:rPr lang="pt-BR" smtClean="0"/>
-              <a:t>18/09/2020</a:t>
+              <a:t>09/10/2020</a:t>
             </a:fld>
             <a:endParaRPr lang="pt-BR"/>
           </a:p>
@@ -2559,7 +2564,7 @@
           <a:p>
             <a:fld id="{AE42DDA1-1F30-4B1A-9665-EB9971BBD700}" type="datetimeFigureOut">
               <a:rPr lang="pt-BR" smtClean="0"/>
-              <a:t>18/09/2020</a:t>
+              <a:t>09/10/2020</a:t>
             </a:fld>
             <a:endParaRPr lang="pt-BR"/>
           </a:p>
@@ -3025,8 +3030,8 @@
         </p:nvSpPr>
         <p:spPr>
           <a:xfrm>
-            <a:off x="999806" y="2334472"/>
-            <a:ext cx="1903751" cy="1085020"/>
+            <a:off x="909663" y="2168660"/>
+            <a:ext cx="1903751" cy="1410278"/>
           </a:xfrm>
           <a:prstGeom prst="rect">
             <a:avLst/>
@@ -3068,7 +3073,7 @@
         </p:nvCxnSpPr>
         <p:spPr>
           <a:xfrm flipV="1">
-            <a:off x="999806" y="2784176"/>
+            <a:off x="909663" y="2618364"/>
             <a:ext cx="1903751" cy="1"/>
           </a:xfrm>
           <a:prstGeom prst="line">
@@ -3103,7 +3108,7 @@
         </p:nvSpPr>
         <p:spPr>
           <a:xfrm>
-            <a:off x="1269629" y="2414844"/>
+            <a:off x="1179486" y="2249032"/>
             <a:ext cx="1364104" cy="369332"/>
           </a:xfrm>
           <a:prstGeom prst="rect">
@@ -3120,7 +3125,7 @@
             <a:pPr algn="ctr"/>
             <a:r>
               <a:rPr lang="pt-BR" dirty="0" smtClean="0"/>
-              <a:t>Caixa</a:t>
+              <a:t>Lançamento</a:t>
             </a:r>
           </a:p>
         </p:txBody>
@@ -3230,7 +3235,6 @@
               <a:rPr lang="pt-BR" dirty="0" smtClean="0"/>
               <a:t>Pedido</a:t>
             </a:r>
-            <a:endParaRPr lang="pt-BR" dirty="0" smtClean="0"/>
           </a:p>
         </p:txBody>
       </p:sp>
@@ -3242,7 +3246,7 @@
         </p:nvSpPr>
         <p:spPr>
           <a:xfrm>
-            <a:off x="7906905" y="4676694"/>
+            <a:off x="7907311" y="4676694"/>
             <a:ext cx="1903751" cy="1408271"/>
           </a:xfrm>
           <a:prstGeom prst="rect">
@@ -3285,7 +3289,7 @@
         </p:nvCxnSpPr>
         <p:spPr>
           <a:xfrm flipV="1">
-            <a:off x="7906905" y="5126399"/>
+            <a:off x="7907311" y="5126399"/>
             <a:ext cx="1903751" cy="1"/>
           </a:xfrm>
           <a:prstGeom prst="line">
@@ -3320,7 +3324,7 @@
         </p:nvSpPr>
         <p:spPr>
           <a:xfrm>
-            <a:off x="8176728" y="4757067"/>
+            <a:off x="8177134" y="4757067"/>
             <a:ext cx="1364104" cy="369332"/>
           </a:xfrm>
           <a:prstGeom prst="rect">
@@ -3350,7 +3354,7 @@
         </p:nvSpPr>
         <p:spPr>
           <a:xfrm>
-            <a:off x="807433" y="2968842"/>
+            <a:off x="717290" y="2803030"/>
             <a:ext cx="1364104" cy="369332"/>
           </a:xfrm>
           <a:prstGeom prst="rect">
@@ -3367,7 +3371,7 @@
             <a:pPr algn="ctr"/>
             <a:r>
               <a:rPr lang="pt-BR" dirty="0" smtClean="0"/>
-              <a:t>- Saldo</a:t>
+              <a:t>- Valor</a:t>
             </a:r>
           </a:p>
         </p:txBody>
@@ -3470,7 +3474,7 @@
         </p:nvSpPr>
         <p:spPr>
           <a:xfrm>
-            <a:off x="7757003" y="5311065"/>
+            <a:off x="7877329" y="5311065"/>
             <a:ext cx="1903751" cy="369332"/>
           </a:xfrm>
           <a:prstGeom prst="rect">
@@ -3484,10 +3488,9 @@
           </a:bodyPr>
           <a:lstStyle/>
           <a:p>
-            <a:pPr algn="ctr"/>
             <a:r>
               <a:rPr lang="pt-BR" dirty="0" smtClean="0"/>
-              <a:t>- Nome produto</a:t>
+              <a:t>- Itens</a:t>
             </a:r>
           </a:p>
         </p:txBody>
@@ -3500,7 +3503,7 @@
         </p:nvSpPr>
         <p:spPr>
           <a:xfrm>
-            <a:off x="7680802" y="5576104"/>
+            <a:off x="7861088" y="5576104"/>
             <a:ext cx="2325975" cy="369332"/>
           </a:xfrm>
           <a:prstGeom prst="rect">
@@ -3514,49 +3517,15 @@
           </a:bodyPr>
           <a:lstStyle/>
           <a:p>
-            <a:pPr algn="ctr"/>
             <a:r>
               <a:rPr lang="pt-BR" dirty="0" smtClean="0"/>
               <a:t>- </a:t>
             </a:r>
             <a:r>
               <a:rPr lang="pt-BR" dirty="0" err="1" smtClean="0"/>
-              <a:t>QTD</a:t>
-            </a:r>
-            <a:r>
-              <a:rPr lang="pt-BR" dirty="0" smtClean="0"/>
-              <a:t>  de produtos</a:t>
-            </a:r>
-          </a:p>
-        </p:txBody>
-      </p:sp>
-      <p:sp>
-        <p:nvSpPr>
-          <p:cNvPr id="28" name="CaixaDeTexto 27"/>
-          <p:cNvSpPr txBox="1"/>
-          <p:nvPr/>
-        </p:nvSpPr>
-        <p:spPr>
-          <a:xfrm>
-            <a:off x="4228779" y="3372622"/>
-            <a:ext cx="2170452" cy="369332"/>
-          </a:xfrm>
-          <a:prstGeom prst="rect">
-            <a:avLst/>
-          </a:prstGeom>
-          <a:noFill/>
-        </p:spPr>
-        <p:txBody>
-          <a:bodyPr wrap="square" rtlCol="0">
-            <a:spAutoFit/>
-          </a:bodyPr>
-          <a:lstStyle/>
-          <a:p>
-            <a:pPr algn="ctr"/>
-            <a:r>
-              <a:rPr lang="pt-BR" dirty="0" smtClean="0"/>
-              <a:t>- Nome dos produtos</a:t>
-            </a:r>
+              <a:t>qtd</a:t>
+            </a:r>
+            <a:endParaRPr lang="pt-BR" dirty="0" smtClean="0"/>
           </a:p>
         </p:txBody>
       </p:sp>
@@ -3724,7 +3693,7 @@
         </p:nvSpPr>
         <p:spPr>
           <a:xfrm>
-            <a:off x="7741168" y="2370439"/>
+            <a:off x="7861088" y="2370439"/>
             <a:ext cx="1903751" cy="369332"/>
           </a:xfrm>
           <a:prstGeom prst="rect">
@@ -3738,10 +3707,9 @@
           </a:bodyPr>
           <a:lstStyle/>
           <a:p>
-            <a:pPr algn="ctr"/>
             <a:r>
               <a:rPr lang="pt-BR" dirty="0" smtClean="0"/>
-              <a:t>- Nome produto</a:t>
+              <a:t>- Nome</a:t>
             </a:r>
           </a:p>
         </p:txBody>
@@ -3754,8 +3722,8 @@
         </p:nvSpPr>
         <p:spPr>
           <a:xfrm>
-            <a:off x="7770744" y="2703252"/>
-            <a:ext cx="2099872" cy="369332"/>
+            <a:off x="7875674" y="2703252"/>
+            <a:ext cx="1880954" cy="369332"/>
           </a:xfrm>
           <a:prstGeom prst="rect">
             <a:avLst/>
@@ -3768,18 +3736,17 @@
           </a:bodyPr>
           <a:lstStyle/>
           <a:p>
-            <a:pPr algn="ctr"/>
             <a:r>
               <a:rPr lang="pt-BR" dirty="0" smtClean="0"/>
               <a:t>- </a:t>
             </a:r>
             <a:r>
               <a:rPr lang="pt-BR" dirty="0" err="1" smtClean="0"/>
-              <a:t>QTD</a:t>
+              <a:t>qtd</a:t>
             </a:r>
             <a:r>
               <a:rPr lang="pt-BR" dirty="0" smtClean="0"/>
-              <a:t>  de produtos</a:t>
+              <a:t>  </a:t>
             </a:r>
           </a:p>
         </p:txBody>
@@ -3890,7 +3857,7 @@
         </p:nvSpPr>
         <p:spPr>
           <a:xfrm>
-            <a:off x="4183497" y="3690208"/>
+            <a:off x="4243457" y="3375418"/>
             <a:ext cx="1364104" cy="369332"/>
           </a:xfrm>
           <a:prstGeom prst="rect">
@@ -3907,7 +3874,7 @@
             <a:pPr algn="ctr"/>
             <a:r>
               <a:rPr lang="pt-BR" dirty="0" smtClean="0"/>
-              <a:t>- Valor total</a:t>
+              <a:t>-/ Valor total</a:t>
             </a:r>
           </a:p>
         </p:txBody>
@@ -3920,7 +3887,7 @@
         </p:nvCxnSpPr>
         <p:spPr>
           <a:xfrm flipV="1">
-            <a:off x="6663963" y="2873799"/>
+            <a:off x="6633983" y="2873799"/>
             <a:ext cx="1242942" cy="0"/>
           </a:xfrm>
           <a:prstGeom prst="line">
@@ -4016,22 +3983,86 @@
       </p:cxnSp>
       <p:sp>
         <p:nvSpPr>
-          <p:cNvPr id="54" name="Fluxograma: Decisão 53"/>
+          <p:cNvPr id="55" name="CaixaDeTexto 54"/>
+          <p:cNvSpPr txBox="1"/>
+          <p:nvPr/>
+        </p:nvSpPr>
+        <p:spPr>
+          <a:xfrm>
+            <a:off x="8805158" y="4255617"/>
+            <a:ext cx="783703" cy="369332"/>
+          </a:xfrm>
+          <a:prstGeom prst="rect">
+            <a:avLst/>
+          </a:prstGeom>
+          <a:noFill/>
+        </p:spPr>
+        <p:txBody>
+          <a:bodyPr wrap="square" rtlCol="0">
+            <a:spAutoFit/>
+          </a:bodyPr>
+          <a:lstStyle/>
+          <a:p>
+            <a:pPr algn="ctr"/>
+            <a:r>
+              <a:rPr lang="pt-BR" dirty="0"/>
+              <a:t>0</a:t>
+            </a:r>
+            <a:r>
+              <a:rPr lang="pt-BR" dirty="0" smtClean="0"/>
+              <a:t>...*</a:t>
+            </a:r>
+          </a:p>
+        </p:txBody>
+      </p:sp>
+      <p:sp>
+        <p:nvSpPr>
+          <p:cNvPr id="56" name="CaixaDeTexto 55"/>
+          <p:cNvSpPr txBox="1"/>
+          <p:nvPr/>
+        </p:nvSpPr>
+        <p:spPr>
+          <a:xfrm>
+            <a:off x="8677805" y="3582012"/>
+            <a:ext cx="783703" cy="369332"/>
+          </a:xfrm>
+          <a:prstGeom prst="rect">
+            <a:avLst/>
+          </a:prstGeom>
+          <a:noFill/>
+        </p:spPr>
+        <p:txBody>
+          <a:bodyPr wrap="square" rtlCol="0">
+            <a:spAutoFit/>
+          </a:bodyPr>
+          <a:lstStyle/>
+          <a:p>
+            <a:pPr algn="ctr"/>
+            <a:r>
+              <a:rPr lang="pt-BR" dirty="0" smtClean="0"/>
+              <a:t>1</a:t>
+            </a:r>
+          </a:p>
+        </p:txBody>
+      </p:sp>
+      <p:sp>
+        <p:nvSpPr>
+          <p:cNvPr id="58" name="Fluxograma: Decisão 57"/>
           <p:cNvSpPr/>
           <p:nvPr/>
         </p:nvSpPr>
         <p:spPr>
           <a:xfrm>
-            <a:off x="8725070" y="4391647"/>
-            <a:ext cx="159364" cy="265038"/>
+            <a:off x="3940221" y="2800368"/>
+            <a:ext cx="346335" cy="175099"/>
           </a:xfrm>
           <a:prstGeom prst="flowChartDecision">
             <a:avLst/>
           </a:prstGeom>
           <a:solidFill>
-            <a:schemeClr val="tx1"/>
+            <a:schemeClr val="bg1"/>
           </a:solidFill>
-          <a:ln>
+          <a:ln w="25400">
             <a:solidFill>
               <a:schemeClr val="tx1"/>
             </a:solidFill>
@@ -4062,15 +4093,53 @@
           </a:p>
         </p:txBody>
       </p:sp>
-      <p:sp>
-        <p:nvSpPr>
-          <p:cNvPr id="55" name="CaixaDeTexto 54"/>
+      <p:cxnSp>
+        <p:nvCxnSpPr>
+          <p:cNvPr id="63" name="Conector reto 62"/>
+          <p:cNvCxnSpPr>
+            <a:stCxn id="4" idx="3"/>
+            <a:endCxn id="58" idx="1"/>
+          </p:cNvCxnSpPr>
+          <p:nvPr/>
+        </p:nvCxnSpPr>
+        <p:spPr>
+          <a:xfrm>
+            <a:off x="2813414" y="2873799"/>
+            <a:ext cx="1126807" cy="14119"/>
+          </a:xfrm>
+          <a:prstGeom prst="line">
+            <a:avLst/>
+          </a:prstGeom>
+          <a:ln>
+            <a:solidFill>
+              <a:schemeClr val="tx1"/>
+            </a:solidFill>
+          </a:ln>
+        </p:spPr>
+        <p:style>
+          <a:lnRef idx="1">
+            <a:schemeClr val="accent1"/>
+          </a:lnRef>
+          <a:fillRef idx="0">
+            <a:schemeClr val="accent1"/>
+          </a:fillRef>
+          <a:effectRef idx="0">
+            <a:schemeClr val="accent1"/>
+          </a:effectRef>
+          <a:fontRef idx="minor">
+            <a:schemeClr val="tx1"/>
+          </a:fontRef>
+        </p:style>
+      </p:cxnSp>
+      <p:sp>
+        <p:nvSpPr>
+          <p:cNvPr id="64" name="CaixaDeTexto 63"/>
           <p:cNvSpPr txBox="1"/>
           <p:nvPr/>
         </p:nvSpPr>
         <p:spPr>
           <a:xfrm>
-            <a:off x="8804752" y="4255617"/>
+            <a:off x="2670884" y="2909269"/>
             <a:ext cx="783703" cy="369332"/>
           </a:xfrm>
           <a:prstGeom prst="rect">
@@ -4086,25 +4155,21 @@
           <a:p>
             <a:pPr algn="ctr"/>
             <a:r>
-              <a:rPr lang="pt-BR" dirty="0"/>
-              <a:t>0</a:t>
-            </a:r>
-            <a:r>
               <a:rPr lang="pt-BR" dirty="0" smtClean="0"/>
-              <a:t>...*</a:t>
-            </a:r>
-          </a:p>
-        </p:txBody>
-      </p:sp>
-      <p:sp>
-        <p:nvSpPr>
-          <p:cNvPr id="56" name="CaixaDeTexto 55"/>
+              <a:t>1</a:t>
+            </a:r>
+          </a:p>
+        </p:txBody>
+      </p:sp>
+      <p:sp>
+        <p:nvSpPr>
+          <p:cNvPr id="65" name="CaixaDeTexto 64"/>
           <p:cNvSpPr txBox="1"/>
           <p:nvPr/>
         </p:nvSpPr>
         <p:spPr>
           <a:xfrm>
-            <a:off x="8677805" y="3582012"/>
+            <a:off x="3470169" y="2968842"/>
             <a:ext cx="783703" cy="369332"/>
           </a:xfrm>
           <a:prstGeom prst="rect">
@@ -4120,22 +4185,65 @@
           <a:p>
             <a:pPr algn="ctr"/>
             <a:r>
+              <a:rPr lang="pt-BR" dirty="0"/>
+              <a:t>1</a:t>
+            </a:r>
+            <a:r>
               <a:rPr lang="pt-BR" dirty="0" smtClean="0"/>
-              <a:t>1</a:t>
-            </a:r>
-          </a:p>
-        </p:txBody>
-      </p:sp>
-      <p:sp>
-        <p:nvSpPr>
-          <p:cNvPr id="58" name="Fluxograma: Decisão 57"/>
+              <a:t>...*</a:t>
+            </a:r>
+            <a:endParaRPr lang="pt-BR" dirty="0" smtClean="0"/>
+          </a:p>
+        </p:txBody>
+      </p:sp>
+      <p:sp>
+        <p:nvSpPr>
+          <p:cNvPr id="67" name="CaixaDeTexto 66"/>
+          <p:cNvSpPr txBox="1"/>
+          <p:nvPr/>
+        </p:nvSpPr>
+        <p:spPr>
+          <a:xfrm>
+            <a:off x="4152892" y="3753437"/>
+            <a:ext cx="2099872" cy="369332"/>
+          </a:xfrm>
+          <a:prstGeom prst="rect">
+            <a:avLst/>
+          </a:prstGeom>
+          <a:noFill/>
+        </p:spPr>
+        <p:txBody>
+          <a:bodyPr wrap="square" rtlCol="0">
+            <a:spAutoFit/>
+          </a:bodyPr>
+          <a:lstStyle/>
+          <a:p>
+            <a:pPr algn="ctr"/>
+            <a:r>
+              <a:rPr lang="pt-BR" dirty="0" smtClean="0"/>
+              <a:t>- </a:t>
+            </a:r>
+            <a:r>
+              <a:rPr lang="pt-BR" dirty="0" err="1" smtClean="0"/>
+              <a:t>qtd</a:t>
+            </a:r>
+            <a:r>
+              <a:rPr lang="pt-BR" dirty="0" smtClean="0"/>
+              <a:t>  de produtos</a:t>
+            </a:r>
+          </a:p>
+        </p:txBody>
+      </p:sp>
+      <p:sp>
+        <p:nvSpPr>
+          <p:cNvPr id="43" name="Fluxograma: Decisão 42"/>
           <p:cNvSpPr/>
           <p:nvPr/>
         </p:nvSpPr>
         <p:spPr>
-          <a:xfrm>
-            <a:off x="3863395" y="2800368"/>
-            <a:ext cx="346335" cy="175099"/>
+          <a:xfrm flipV="1">
+            <a:off x="8721919" y="4341972"/>
+            <a:ext cx="182900" cy="334662"/>
           </a:xfrm>
           <a:prstGeom prst="flowChartDecision">
             <a:avLst/>
@@ -4174,54 +4282,16 @@
           </a:p>
         </p:txBody>
       </p:sp>
-      <p:cxnSp>
-        <p:nvCxnSpPr>
-          <p:cNvPr id="63" name="Conector reto 62"/>
-          <p:cNvCxnSpPr>
-            <a:stCxn id="4" idx="3"/>
-            <a:endCxn id="58" idx="1"/>
-          </p:cNvCxnSpPr>
-          <p:nvPr/>
-        </p:nvCxnSpPr>
-        <p:spPr>
-          <a:xfrm>
-            <a:off x="2903557" y="2876982"/>
-            <a:ext cx="959838" cy="10936"/>
-          </a:xfrm>
-          <a:prstGeom prst="line">
-            <a:avLst/>
-          </a:prstGeom>
-          <a:ln>
-            <a:solidFill>
-              <a:schemeClr val="tx1"/>
-            </a:solidFill>
-          </a:ln>
-        </p:spPr>
-        <p:style>
-          <a:lnRef idx="1">
-            <a:schemeClr val="accent1"/>
-          </a:lnRef>
-          <a:fillRef idx="0">
-            <a:schemeClr val="accent1"/>
-          </a:fillRef>
-          <a:effectRef idx="0">
-            <a:schemeClr val="accent1"/>
-          </a:effectRef>
-          <a:fontRef idx="minor">
-            <a:schemeClr val="tx1"/>
-          </a:fontRef>
-        </p:style>
-      </p:cxnSp>
-      <p:sp>
-        <p:nvSpPr>
-          <p:cNvPr id="64" name="CaixaDeTexto 63"/>
+      <p:sp>
+        <p:nvSpPr>
+          <p:cNvPr id="44" name="CaixaDeTexto 43"/>
           <p:cNvSpPr txBox="1"/>
           <p:nvPr/>
         </p:nvSpPr>
         <p:spPr>
           <a:xfrm>
-            <a:off x="2670884" y="2909269"/>
-            <a:ext cx="783703" cy="369332"/>
+            <a:off x="704800" y="3075350"/>
+            <a:ext cx="1364104" cy="369332"/>
           </a:xfrm>
           <a:prstGeom prst="rect">
             <a:avLst/>
@@ -4237,79 +4307,7 @@
             <a:pPr algn="ctr"/>
             <a:r>
               <a:rPr lang="pt-BR" dirty="0" smtClean="0"/>
-              <a:t>1</a:t>
-            </a:r>
-          </a:p>
-        </p:txBody>
-      </p:sp>
-      <p:sp>
-        <p:nvSpPr>
-          <p:cNvPr id="65" name="CaixaDeTexto 64"/>
-          <p:cNvSpPr txBox="1"/>
-          <p:nvPr/>
-        </p:nvSpPr>
-        <p:spPr>
-          <a:xfrm>
-            <a:off x="3470169" y="2968842"/>
-            <a:ext cx="783703" cy="369332"/>
-          </a:xfrm>
-          <a:prstGeom prst="rect">
-            <a:avLst/>
-          </a:prstGeom>
-          <a:noFill/>
-        </p:spPr>
-        <p:txBody>
-          <a:bodyPr wrap="square" rtlCol="0">
-            <a:spAutoFit/>
-          </a:bodyPr>
-          <a:lstStyle/>
-          <a:p>
-            <a:pPr algn="ctr"/>
-            <a:r>
-              <a:rPr lang="pt-BR" dirty="0"/>
-              <a:t>0</a:t>
-            </a:r>
-            <a:r>
-              <a:rPr lang="pt-BR" dirty="0" smtClean="0"/>
-              <a:t>...*</a:t>
-            </a:r>
-          </a:p>
-        </p:txBody>
-      </p:sp>
-      <p:sp>
-        <p:nvSpPr>
-          <p:cNvPr id="67" name="CaixaDeTexto 66"/>
-          <p:cNvSpPr txBox="1"/>
-          <p:nvPr/>
-        </p:nvSpPr>
-        <p:spPr>
-          <a:xfrm>
-            <a:off x="4152892" y="4068227"/>
-            <a:ext cx="2099872" cy="369332"/>
-          </a:xfrm>
-          <a:prstGeom prst="rect">
-            <a:avLst/>
-          </a:prstGeom>
-          <a:noFill/>
-        </p:spPr>
-        <p:txBody>
-          <a:bodyPr wrap="square" rtlCol="0">
-            <a:spAutoFit/>
-          </a:bodyPr>
-          <a:lstStyle/>
-          <a:p>
-            <a:pPr algn="ctr"/>
-            <a:r>
-              <a:rPr lang="pt-BR" dirty="0" smtClean="0"/>
-              <a:t>- </a:t>
-            </a:r>
-            <a:r>
-              <a:rPr lang="pt-BR" dirty="0" err="1" smtClean="0"/>
-              <a:t>QTD</a:t>
-            </a:r>
-            <a:r>
-              <a:rPr lang="pt-BR" dirty="0" smtClean="0"/>
-              <a:t>  de produtos</a:t>
+              <a:t>- Data</a:t>
             </a:r>
           </a:p>
         </p:txBody>
